--- a/doc/HowTo_WriteBroadwickModel_QuickStart.pptx
+++ b/doc/HowTo_WriteBroadwickModel_QuickStart.pptx
@@ -294,7 +294,7 @@
           <a:p>
             <a:fld id="{91C99948-B705-4EB7-9D0B-50C93C51ECB1}" type="datetimeFigureOut">
               <a:rPr lang="en-GB" smtClean="0"/>
-              <a:t>16/06/2014</a:t>
+              <a:t>18/06/2014</a:t>
             </a:fld>
             <a:endParaRPr lang="en-GB"/>
           </a:p>
@@ -464,7 +464,7 @@
           <a:p>
             <a:fld id="{91C99948-B705-4EB7-9D0B-50C93C51ECB1}" type="datetimeFigureOut">
               <a:rPr lang="en-GB" smtClean="0"/>
-              <a:t>16/06/2014</a:t>
+              <a:t>18/06/2014</a:t>
             </a:fld>
             <a:endParaRPr lang="en-GB"/>
           </a:p>
@@ -644,7 +644,7 @@
           <a:p>
             <a:fld id="{91C99948-B705-4EB7-9D0B-50C93C51ECB1}" type="datetimeFigureOut">
               <a:rPr lang="en-GB" smtClean="0"/>
-              <a:t>16/06/2014</a:t>
+              <a:t>18/06/2014</a:t>
             </a:fld>
             <a:endParaRPr lang="en-GB"/>
           </a:p>
@@ -814,7 +814,7 @@
           <a:p>
             <a:fld id="{91C99948-B705-4EB7-9D0B-50C93C51ECB1}" type="datetimeFigureOut">
               <a:rPr lang="en-GB" smtClean="0"/>
-              <a:t>16/06/2014</a:t>
+              <a:t>18/06/2014</a:t>
             </a:fld>
             <a:endParaRPr lang="en-GB"/>
           </a:p>
@@ -1060,7 +1060,7 @@
           <a:p>
             <a:fld id="{91C99948-B705-4EB7-9D0B-50C93C51ECB1}" type="datetimeFigureOut">
               <a:rPr lang="en-GB" smtClean="0"/>
-              <a:t>16/06/2014</a:t>
+              <a:t>18/06/2014</a:t>
             </a:fld>
             <a:endParaRPr lang="en-GB"/>
           </a:p>
@@ -1348,7 +1348,7 @@
           <a:p>
             <a:fld id="{91C99948-B705-4EB7-9D0B-50C93C51ECB1}" type="datetimeFigureOut">
               <a:rPr lang="en-GB" smtClean="0"/>
-              <a:t>16/06/2014</a:t>
+              <a:t>18/06/2014</a:t>
             </a:fld>
             <a:endParaRPr lang="en-GB"/>
           </a:p>
@@ -1770,7 +1770,7 @@
           <a:p>
             <a:fld id="{91C99948-B705-4EB7-9D0B-50C93C51ECB1}" type="datetimeFigureOut">
               <a:rPr lang="en-GB" smtClean="0"/>
-              <a:t>16/06/2014</a:t>
+              <a:t>18/06/2014</a:t>
             </a:fld>
             <a:endParaRPr lang="en-GB"/>
           </a:p>
@@ -1888,7 +1888,7 @@
           <a:p>
             <a:fld id="{91C99948-B705-4EB7-9D0B-50C93C51ECB1}" type="datetimeFigureOut">
               <a:rPr lang="en-GB" smtClean="0"/>
-              <a:t>16/06/2014</a:t>
+              <a:t>18/06/2014</a:t>
             </a:fld>
             <a:endParaRPr lang="en-GB"/>
           </a:p>
@@ -1983,7 +1983,7 @@
           <a:p>
             <a:fld id="{91C99948-B705-4EB7-9D0B-50C93C51ECB1}" type="datetimeFigureOut">
               <a:rPr lang="en-GB" smtClean="0"/>
-              <a:t>16/06/2014</a:t>
+              <a:t>18/06/2014</a:t>
             </a:fld>
             <a:endParaRPr lang="en-GB"/>
           </a:p>
@@ -2260,7 +2260,7 @@
           <a:p>
             <a:fld id="{91C99948-B705-4EB7-9D0B-50C93C51ECB1}" type="datetimeFigureOut">
               <a:rPr lang="en-GB" smtClean="0"/>
-              <a:t>16/06/2014</a:t>
+              <a:t>18/06/2014</a:t>
             </a:fld>
             <a:endParaRPr lang="en-GB"/>
           </a:p>
@@ -2513,7 +2513,7 @@
           <a:p>
             <a:fld id="{91C99948-B705-4EB7-9D0B-50C93C51ECB1}" type="datetimeFigureOut">
               <a:rPr lang="en-GB" smtClean="0"/>
-              <a:t>16/06/2014</a:t>
+              <a:t>18/06/2014</a:t>
             </a:fld>
             <a:endParaRPr lang="en-GB"/>
           </a:p>
@@ -2726,7 +2726,7 @@
           <a:p>
             <a:fld id="{91C99948-B705-4EB7-9D0B-50C93C51ECB1}" type="datetimeFigureOut">
               <a:rPr lang="en-GB" smtClean="0"/>
-              <a:t>16/06/2014</a:t>
+              <a:t>18/06/2014</a:t>
             </a:fld>
             <a:endParaRPr lang="en-GB"/>
           </a:p>
@@ -3176,6 +3176,66 @@
           </a:p>
         </p:txBody>
       </p:sp>
+      <p:pic>
+        <p:nvPicPr>
+          <p:cNvPr id="6" name="Picture 5"/>
+          <p:cNvPicPr>
+            <a:picLocks noChangeAspect="1"/>
+          </p:cNvPicPr>
+          <p:nvPr/>
+        </p:nvPicPr>
+        <p:blipFill>
+          <a:blip r:embed="rId2" cstate="print">
+            <a:extLst>
+              <a:ext uri="{28A0092B-C50C-407E-A947-70E740481C1C}">
+                <a14:useLocalDpi xmlns:a14="http://schemas.microsoft.com/office/drawing/2010/main" val="0"/>
+              </a:ext>
+            </a:extLst>
+          </a:blip>
+          <a:stretch>
+            <a:fillRect/>
+          </a:stretch>
+        </p:blipFill>
+        <p:spPr>
+          <a:xfrm>
+            <a:off x="6876256" y="5677133"/>
+            <a:ext cx="2053660" cy="920219"/>
+          </a:xfrm>
+          <a:prstGeom prst="rect">
+            <a:avLst/>
+          </a:prstGeom>
+        </p:spPr>
+      </p:pic>
+      <p:pic>
+        <p:nvPicPr>
+          <p:cNvPr id="7" name="Picture 6"/>
+          <p:cNvPicPr>
+            <a:picLocks noChangeAspect="1"/>
+          </p:cNvPicPr>
+          <p:nvPr/>
+        </p:nvPicPr>
+        <p:blipFill>
+          <a:blip r:embed="rId3" cstate="print">
+            <a:extLst>
+              <a:ext uri="{28A0092B-C50C-407E-A947-70E740481C1C}">
+                <a14:useLocalDpi xmlns:a14="http://schemas.microsoft.com/office/drawing/2010/main" val="0"/>
+              </a:ext>
+            </a:extLst>
+          </a:blip>
+          <a:stretch>
+            <a:fillRect/>
+          </a:stretch>
+        </p:blipFill>
+        <p:spPr>
+          <a:xfrm>
+            <a:off x="293215" y="5862285"/>
+            <a:ext cx="5794666" cy="549914"/>
+          </a:xfrm>
+          <a:prstGeom prst="rect">
+            <a:avLst/>
+          </a:prstGeom>
+        </p:spPr>
+      </p:pic>
     </p:spTree>
     <p:extLst>
       <p:ext uri="{BB962C8B-B14F-4D97-AF65-F5344CB8AC3E}">

--- a/doc/HowTo_WriteBroadwickModel_QuickStart.pptx
+++ b/doc/HowTo_WriteBroadwickModel_QuickStart.pptx
@@ -294,7 +294,7 @@
           <a:p>
             <a:fld id="{91C99948-B705-4EB7-9D0B-50C93C51ECB1}" type="datetimeFigureOut">
               <a:rPr lang="en-GB" smtClean="0"/>
-              <a:t>18/06/2014</a:t>
+              <a:t>19/06/2014</a:t>
             </a:fld>
             <a:endParaRPr lang="en-GB"/>
           </a:p>
@@ -464,7 +464,7 @@
           <a:p>
             <a:fld id="{91C99948-B705-4EB7-9D0B-50C93C51ECB1}" type="datetimeFigureOut">
               <a:rPr lang="en-GB" smtClean="0"/>
-              <a:t>18/06/2014</a:t>
+              <a:t>19/06/2014</a:t>
             </a:fld>
             <a:endParaRPr lang="en-GB"/>
           </a:p>
@@ -644,7 +644,7 @@
           <a:p>
             <a:fld id="{91C99948-B705-4EB7-9D0B-50C93C51ECB1}" type="datetimeFigureOut">
               <a:rPr lang="en-GB" smtClean="0"/>
-              <a:t>18/06/2014</a:t>
+              <a:t>19/06/2014</a:t>
             </a:fld>
             <a:endParaRPr lang="en-GB"/>
           </a:p>
@@ -814,7 +814,7 @@
           <a:p>
             <a:fld id="{91C99948-B705-4EB7-9D0B-50C93C51ECB1}" type="datetimeFigureOut">
               <a:rPr lang="en-GB" smtClean="0"/>
-              <a:t>18/06/2014</a:t>
+              <a:t>19/06/2014</a:t>
             </a:fld>
             <a:endParaRPr lang="en-GB"/>
           </a:p>
@@ -1060,7 +1060,7 @@
           <a:p>
             <a:fld id="{91C99948-B705-4EB7-9D0B-50C93C51ECB1}" type="datetimeFigureOut">
               <a:rPr lang="en-GB" smtClean="0"/>
-              <a:t>18/06/2014</a:t>
+              <a:t>19/06/2014</a:t>
             </a:fld>
             <a:endParaRPr lang="en-GB"/>
           </a:p>
@@ -1348,7 +1348,7 @@
           <a:p>
             <a:fld id="{91C99948-B705-4EB7-9D0B-50C93C51ECB1}" type="datetimeFigureOut">
               <a:rPr lang="en-GB" smtClean="0"/>
-              <a:t>18/06/2014</a:t>
+              <a:t>19/06/2014</a:t>
             </a:fld>
             <a:endParaRPr lang="en-GB"/>
           </a:p>
@@ -1770,7 +1770,7 @@
           <a:p>
             <a:fld id="{91C99948-B705-4EB7-9D0B-50C93C51ECB1}" type="datetimeFigureOut">
               <a:rPr lang="en-GB" smtClean="0"/>
-              <a:t>18/06/2014</a:t>
+              <a:t>19/06/2014</a:t>
             </a:fld>
             <a:endParaRPr lang="en-GB"/>
           </a:p>
@@ -1888,7 +1888,7 @@
           <a:p>
             <a:fld id="{91C99948-B705-4EB7-9D0B-50C93C51ECB1}" type="datetimeFigureOut">
               <a:rPr lang="en-GB" smtClean="0"/>
-              <a:t>18/06/2014</a:t>
+              <a:t>19/06/2014</a:t>
             </a:fld>
             <a:endParaRPr lang="en-GB"/>
           </a:p>
@@ -1983,7 +1983,7 @@
           <a:p>
             <a:fld id="{91C99948-B705-4EB7-9D0B-50C93C51ECB1}" type="datetimeFigureOut">
               <a:rPr lang="en-GB" smtClean="0"/>
-              <a:t>18/06/2014</a:t>
+              <a:t>19/06/2014</a:t>
             </a:fld>
             <a:endParaRPr lang="en-GB"/>
           </a:p>
@@ -2260,7 +2260,7 @@
           <a:p>
             <a:fld id="{91C99948-B705-4EB7-9D0B-50C93C51ECB1}" type="datetimeFigureOut">
               <a:rPr lang="en-GB" smtClean="0"/>
-              <a:t>18/06/2014</a:t>
+              <a:t>19/06/2014</a:t>
             </a:fld>
             <a:endParaRPr lang="en-GB"/>
           </a:p>
@@ -2513,7 +2513,7 @@
           <a:p>
             <a:fld id="{91C99948-B705-4EB7-9D0B-50C93C51ECB1}" type="datetimeFigureOut">
               <a:rPr lang="en-GB" smtClean="0"/>
-              <a:t>18/06/2014</a:t>
+              <a:t>19/06/2014</a:t>
             </a:fld>
             <a:endParaRPr lang="en-GB"/>
           </a:p>
@@ -2726,7 +2726,7 @@
           <a:p>
             <a:fld id="{91C99948-B705-4EB7-9D0B-50C93C51ECB1}" type="datetimeFigureOut">
               <a:rPr lang="en-GB" smtClean="0"/>
-              <a:t>18/06/2014</a:t>
+              <a:t>19/06/2014</a:t>
             </a:fld>
             <a:endParaRPr lang="en-GB"/>
           </a:p>
@@ -3170,7 +3170,11 @@
           <a:p>
             <a:r>
               <a:rPr lang="en-GB" dirty="0" smtClean="0"/>
-              <a:t>16 June 2014</a:t>
+              <a:t>19 </a:t>
+            </a:r>
+            <a:r>
+              <a:rPr lang="en-GB" dirty="0" smtClean="0"/>
+              <a:t>June 2014</a:t>
             </a:r>
             <a:endParaRPr lang="en-GB" dirty="0"/>
           </a:p>
@@ -3738,74 +3742,103 @@
         <p:spPr>
           <a:xfrm>
             <a:off x="457200" y="1600200"/>
-            <a:ext cx="8229600" cy="4853136"/>
+            <a:ext cx="8363272" cy="4853136"/>
           </a:xfrm>
         </p:spPr>
         <p:txBody>
           <a:bodyPr>
-            <a:normAutofit fontScale="92500" lnSpcReduction="20000"/>
+            <a:normAutofit fontScale="92500"/>
           </a:bodyPr>
           <a:lstStyle/>
           <a:p>
             <a:r>
-              <a:rPr lang="en-GB" dirty="0" smtClean="0"/>
-              <a:t>This is the most complicated method because it is where all of the model components are initialised</a:t>
-            </a:r>
-          </a:p>
-          <a:p>
-            <a:r>
-              <a:rPr lang="en-GB" dirty="0" smtClean="0"/>
-              <a:t>Also includes reading parameters from XML configuration file</a:t>
-            </a:r>
-          </a:p>
-          <a:p>
-            <a:r>
-              <a:rPr lang="en-GB" dirty="0" smtClean="0"/>
-              <a:t>Specifically you must:</a:t>
-            </a:r>
+              <a:rPr lang="en-GB" sz="2400" dirty="0" smtClean="0"/>
+              <a:t>This method initialises the Model within the </a:t>
+            </a:r>
+            <a:r>
+              <a:rPr lang="en-GB" sz="2400" dirty="0" err="1" smtClean="0"/>
+              <a:t>Broadwick</a:t>
+            </a:r>
+            <a:r>
+              <a:rPr lang="en-GB" sz="2400" dirty="0" smtClean="0"/>
+              <a:t> framework</a:t>
+            </a:r>
+          </a:p>
+          <a:p>
+            <a:r>
+              <a:rPr lang="en-GB" sz="2400" dirty="0" smtClean="0"/>
+              <a:t>It should include reading the parameters from XML configuration file</a:t>
+            </a:r>
+          </a:p>
+          <a:p>
+            <a:r>
+              <a:rPr lang="en-GB" sz="2400" dirty="0" smtClean="0"/>
+              <a:t>The objects below need to be initialised, either within the </a:t>
+            </a:r>
+            <a:r>
+              <a:rPr lang="en-GB" sz="2400" dirty="0" err="1" smtClean="0"/>
+              <a:t>init</a:t>
+            </a:r>
+            <a:r>
+              <a:rPr lang="en-GB" sz="2400" dirty="0" smtClean="0"/>
+              <a:t> method (as in the examples here), or at the start of the run method (depending on other requirements such as multi-threading)</a:t>
+            </a:r>
+            <a:endParaRPr lang="en-GB" sz="2400" dirty="0"/>
           </a:p>
           <a:p>
             <a:pPr lvl="1"/>
             <a:r>
-              <a:rPr lang="en-GB" dirty="0" smtClean="0"/>
-              <a:t>Initialise Transition Kernel</a:t>
+              <a:rPr lang="en-GB" sz="2400" dirty="0" smtClean="0"/>
+              <a:t>Initialise Transition </a:t>
+            </a:r>
+            <a:r>
+              <a:rPr lang="en-GB" sz="2400" dirty="0" smtClean="0"/>
+              <a:t>Kernel</a:t>
             </a:r>
           </a:p>
           <a:p>
             <a:pPr lvl="1"/>
             <a:r>
-              <a:rPr lang="en-GB" dirty="0" smtClean="0"/>
-              <a:t>Initialise Amount Manager</a:t>
+              <a:rPr lang="en-GB" sz="2400" dirty="0" smtClean="0"/>
+              <a:t>Initialise Amount </a:t>
+            </a:r>
+            <a:r>
+              <a:rPr lang="en-GB" sz="2400" dirty="0" smtClean="0"/>
+              <a:t>Manager</a:t>
             </a:r>
           </a:p>
           <a:p>
             <a:pPr lvl="1"/>
             <a:r>
-              <a:rPr lang="en-GB" dirty="0" smtClean="0"/>
-              <a:t>Initialise Simulator (simulation engine) with Transition Kernel and Amount Manger</a:t>
+              <a:rPr lang="en-GB" sz="2400" dirty="0" smtClean="0"/>
+              <a:t>Initialise Simulator </a:t>
+            </a:r>
+            <a:r>
+              <a:rPr lang="en-GB" sz="2400" dirty="0" smtClean="0"/>
+              <a:t>(simulation engine) with Transition Kernel and Amount Manger</a:t>
             </a:r>
           </a:p>
           <a:p>
             <a:pPr lvl="1"/>
             <a:r>
-              <a:rPr lang="en-GB" dirty="0" smtClean="0"/>
+              <a:rPr lang="en-GB" sz="2400" dirty="0" smtClean="0"/>
               <a:t>Initialise Controller (stops simulations with conditions)</a:t>
             </a:r>
           </a:p>
           <a:p>
             <a:pPr lvl="1"/>
             <a:r>
-              <a:rPr lang="en-GB" dirty="0" smtClean="0"/>
+              <a:rPr lang="en-GB" sz="2400" dirty="0" smtClean="0"/>
               <a:t>Initialise Observer (generates output files)</a:t>
             </a:r>
           </a:p>
           <a:p>
             <a:pPr lvl="1"/>
             <a:r>
-              <a:rPr lang="en-GB" dirty="0" smtClean="0"/>
+              <a:rPr lang="en-GB" sz="2400" dirty="0" smtClean="0"/>
               <a:t>Register Observer with Simulator</a:t>
             </a:r>
-            <a:endParaRPr lang="en-GB" dirty="0"/>
+            <a:endParaRPr lang="en-GB" sz="2400" dirty="0"/>
           </a:p>
         </p:txBody>
       </p:sp>
@@ -3933,7 +3966,15 @@
           <a:p>
             <a:r>
               <a:rPr lang="en-GB" dirty="0" smtClean="0"/>
-              <a:t>The run method implemented in your model is just this:</a:t>
+              <a:t>The run method implemented in </a:t>
+            </a:r>
+            <a:r>
+              <a:rPr lang="en-GB" dirty="0" smtClean="0"/>
+              <a:t>the examples is </a:t>
+            </a:r>
+            <a:r>
+              <a:rPr lang="en-GB" dirty="0" smtClean="0"/>
+              <a:t>just this:</a:t>
             </a:r>
           </a:p>
           <a:p>
